--- a/Finding Anagrams v2.0.pptx
+++ b/Finding Anagrams v2.0.pptx
@@ -5,7 +5,7 @@
     <p:sldMasterId id="2147483672" r:id="rId1"/>
   </p:sldMasterIdLst>
   <p:notesMasterIdLst>
-    <p:notesMasterId r:id="rId42"/>
+    <p:notesMasterId r:id="rId40"/>
   </p:notesMasterIdLst>
   <p:sldIdLst>
     <p:sldId id="256" r:id="rId2"/>
@@ -46,8 +46,6 @@
     <p:sldId id="290" r:id="rId37"/>
     <p:sldId id="291" r:id="rId38"/>
     <p:sldId id="306" r:id="rId39"/>
-    <p:sldId id="285" r:id="rId40"/>
-    <p:sldId id="304" r:id="rId41"/>
   </p:sldIdLst>
   <p:sldSz cx="12192000" cy="6858000"/>
   <p:notesSz cx="6858000" cy="9144000"/>
@@ -236,7 +234,7 @@
           <a:p>
             <a:fld id="{7D2B9B78-C072-4694-8A2D-FFBA9FE94E5B}" type="datetimeFigureOut">
               <a:rPr lang="en-US" smtClean="0"/>
-              <a:t>4/11/2021</a:t>
+              <a:t>2/9/2022</a:t>
             </a:fld>
             <a:endParaRPr lang="en-US" dirty="0"/>
           </a:p>
@@ -1838,7 +1836,7 @@
           <a:p>
             <a:fld id="{271D0E5B-1AAA-41B9-A681-2CC64CA97BA3}" type="datetimeFigureOut">
               <a:rPr lang="en-US" smtClean="0"/>
-              <a:t>4/11/2021</a:t>
+              <a:t>2/9/2022</a:t>
             </a:fld>
             <a:endParaRPr lang="en-US" dirty="0"/>
           </a:p>
@@ -2036,7 +2034,7 @@
           <a:p>
             <a:fld id="{271D0E5B-1AAA-41B9-A681-2CC64CA97BA3}" type="datetimeFigureOut">
               <a:rPr lang="en-US" smtClean="0"/>
-              <a:t>4/11/2021</a:t>
+              <a:t>2/9/2022</a:t>
             </a:fld>
             <a:endParaRPr lang="en-US" dirty="0"/>
           </a:p>
@@ -2244,7 +2242,7 @@
           <a:p>
             <a:fld id="{271D0E5B-1AAA-41B9-A681-2CC64CA97BA3}" type="datetimeFigureOut">
               <a:rPr lang="en-US" smtClean="0"/>
-              <a:t>4/11/2021</a:t>
+              <a:t>2/9/2022</a:t>
             </a:fld>
             <a:endParaRPr lang="en-US" dirty="0"/>
           </a:p>
@@ -2442,7 +2440,7 @@
           <a:p>
             <a:fld id="{271D0E5B-1AAA-41B9-A681-2CC64CA97BA3}" type="datetimeFigureOut">
               <a:rPr lang="en-US" smtClean="0"/>
-              <a:t>4/11/2021</a:t>
+              <a:t>2/9/2022</a:t>
             </a:fld>
             <a:endParaRPr lang="en-US" dirty="0"/>
           </a:p>
@@ -2717,7 +2715,7 @@
           <a:p>
             <a:fld id="{271D0E5B-1AAA-41B9-A681-2CC64CA97BA3}" type="datetimeFigureOut">
               <a:rPr lang="en-US" smtClean="0"/>
-              <a:t>4/11/2021</a:t>
+              <a:t>2/9/2022</a:t>
             </a:fld>
             <a:endParaRPr lang="en-US" dirty="0"/>
           </a:p>
@@ -2982,7 +2980,7 @@
           <a:p>
             <a:fld id="{271D0E5B-1AAA-41B9-A681-2CC64CA97BA3}" type="datetimeFigureOut">
               <a:rPr lang="en-US" smtClean="0"/>
-              <a:t>4/11/2021</a:t>
+              <a:t>2/9/2022</a:t>
             </a:fld>
             <a:endParaRPr lang="en-US" dirty="0"/>
           </a:p>
@@ -3394,7 +3392,7 @@
           <a:p>
             <a:fld id="{271D0E5B-1AAA-41B9-A681-2CC64CA97BA3}" type="datetimeFigureOut">
               <a:rPr lang="en-US" smtClean="0"/>
-              <a:t>4/11/2021</a:t>
+              <a:t>2/9/2022</a:t>
             </a:fld>
             <a:endParaRPr lang="en-US" dirty="0"/>
           </a:p>
@@ -3535,7 +3533,7 @@
           <a:p>
             <a:fld id="{271D0E5B-1AAA-41B9-A681-2CC64CA97BA3}" type="datetimeFigureOut">
               <a:rPr lang="en-US" smtClean="0"/>
-              <a:t>4/11/2021</a:t>
+              <a:t>2/9/2022</a:t>
             </a:fld>
             <a:endParaRPr lang="en-US" dirty="0"/>
           </a:p>
@@ -3648,7 +3646,7 @@
           <a:p>
             <a:fld id="{271D0E5B-1AAA-41B9-A681-2CC64CA97BA3}" type="datetimeFigureOut">
               <a:rPr lang="en-US" smtClean="0"/>
-              <a:t>4/11/2021</a:t>
+              <a:t>2/9/2022</a:t>
             </a:fld>
             <a:endParaRPr lang="en-US" dirty="0"/>
           </a:p>
@@ -3959,7 +3957,7 @@
           <a:p>
             <a:fld id="{271D0E5B-1AAA-41B9-A681-2CC64CA97BA3}" type="datetimeFigureOut">
               <a:rPr lang="en-US" smtClean="0"/>
-              <a:t>4/11/2021</a:t>
+              <a:t>2/9/2022</a:t>
             </a:fld>
             <a:endParaRPr lang="en-US" dirty="0"/>
           </a:p>
@@ -4247,7 +4245,7 @@
           <a:p>
             <a:fld id="{271D0E5B-1AAA-41B9-A681-2CC64CA97BA3}" type="datetimeFigureOut">
               <a:rPr lang="en-US" smtClean="0"/>
-              <a:t>4/11/2021</a:t>
+              <a:t>2/9/2022</a:t>
             </a:fld>
             <a:endParaRPr lang="en-US" dirty="0"/>
           </a:p>
@@ -4488,7 +4486,7 @@
           <a:p>
             <a:fld id="{271D0E5B-1AAA-41B9-A681-2CC64CA97BA3}" type="datetimeFigureOut">
               <a:rPr lang="en-US" smtClean="0"/>
-              <a:t>4/11/2021</a:t>
+              <a:t>2/9/2022</a:t>
             </a:fld>
             <a:endParaRPr lang="en-US" dirty="0"/>
           </a:p>
@@ -4980,7 +4978,7 @@
           <a:p>
             <a:r>
               <a:rPr lang="en-US" dirty="0"/>
-              <a:t>April 15, 2021</a:t>
+              <a:t>February 9, 2022</a:t>
             </a:r>
           </a:p>
         </p:txBody>
@@ -8735,298 +8733,6 @@
 </p:sld>
 </file>
 
-<file path=ppt/slides/slide39.xml><?xml version="1.0" encoding="utf-8"?>
-<p:sld xmlns:a="http://schemas.openxmlformats.org/drawingml/2006/main" xmlns:r="http://schemas.openxmlformats.org/officeDocument/2006/relationships" xmlns:p="http://schemas.openxmlformats.org/presentationml/2006/main">
-  <p:cSld>
-    <p:spTree>
-      <p:nvGrpSpPr>
-        <p:cNvPr id="1" name=""/>
-        <p:cNvGrpSpPr/>
-        <p:nvPr/>
-      </p:nvGrpSpPr>
-      <p:grpSpPr>
-        <a:xfrm>
-          <a:off x="0" y="0"/>
-          <a:ext cx="0" cy="0"/>
-          <a:chOff x="0" y="0"/>
-          <a:chExt cx="0" cy="0"/>
-        </a:xfrm>
-      </p:grpSpPr>
-      <p:sp>
-        <p:nvSpPr>
-          <p:cNvPr id="2" name="Title 1">
-            <a:extLst>
-              <a:ext uri="{FF2B5EF4-FFF2-40B4-BE49-F238E27FC236}">
-                <a16:creationId xmlns:a16="http://schemas.microsoft.com/office/drawing/2014/main" id="{20532BB2-7FE7-4E27-9B4E-DE29B0E77042}"/>
-              </a:ext>
-            </a:extLst>
-          </p:cNvPr>
-          <p:cNvSpPr>
-            <a:spLocks noGrp="1"/>
-          </p:cNvSpPr>
-          <p:nvPr>
-            <p:ph type="title"/>
-          </p:nvPr>
-        </p:nvSpPr>
-        <p:spPr/>
-        <p:txBody>
-          <a:bodyPr/>
-          <a:lstStyle/>
-          <a:p>
-            <a:r>
-              <a:rPr lang="en-US" dirty="0"/>
-              <a:t>Bonus - visualize the Mandelbrot set</a:t>
-            </a:r>
-          </a:p>
-        </p:txBody>
-      </p:sp>
-      <mc:AlternateContent xmlns:mc="http://schemas.openxmlformats.org/markup-compatibility/2006" xmlns:a14="http://schemas.microsoft.com/office/drawing/2010/main">
-        <mc:Choice Requires="a14">
-          <p:sp>
-            <p:nvSpPr>
-              <p:cNvPr id="3" name="Content Placeholder 2">
-                <a:extLst>
-                  <a:ext uri="{FF2B5EF4-FFF2-40B4-BE49-F238E27FC236}">
-                    <a16:creationId xmlns:a16="http://schemas.microsoft.com/office/drawing/2014/main" id="{5FBFFB80-845E-4FF0-9271-A5997DA5EFED}"/>
-                  </a:ext>
-                </a:extLst>
-              </p:cNvPr>
-              <p:cNvSpPr>
-                <a:spLocks noGrp="1"/>
-              </p:cNvSpPr>
-              <p:nvPr>
-                <p:ph idx="1"/>
-              </p:nvPr>
-            </p:nvSpPr>
-            <p:spPr/>
-            <p:txBody>
-              <a:bodyPr/>
-              <a:lstStyle/>
-              <a:p>
-                <a:r>
-                  <a:rPr lang="en-US" b="0" dirty="0"/>
-                  <a:t>simple_fractal.ipynb</a:t>
-                </a:r>
-              </a:p>
-              <a:p>
-                <a:r>
-                  <a:rPr lang="en-US" b="0" dirty="0"/>
-                  <a:t>For what values of </a:t>
-                </a:r>
-                <a14:m>
-                  <m:oMath xmlns:m="http://schemas.openxmlformats.org/officeDocument/2006/math">
-                    <m:r>
-                      <a:rPr lang="en-US" b="0" i="1" smtClean="0">
-                        <a:latin typeface="Cambria Math" panose="02040503050406030204" pitchFamily="18" charset="0"/>
-                      </a:rPr>
-                      <m:t>𝑧</m:t>
-                    </m:r>
-                  </m:oMath>
-                </a14:m>
-                <a:r>
-                  <a:rPr lang="en-US" b="0" dirty="0"/>
-                  <a:t> and </a:t>
-                </a:r>
-                <a14:m>
-                  <m:oMath xmlns:m="http://schemas.openxmlformats.org/officeDocument/2006/math">
-                    <m:r>
-                      <a:rPr lang="en-US" b="0" i="1" smtClean="0">
-                        <a:latin typeface="Cambria Math" panose="02040503050406030204" pitchFamily="18" charset="0"/>
-                      </a:rPr>
-                      <m:t>𝑐</m:t>
-                    </m:r>
-                  </m:oMath>
-                </a14:m>
-                <a:r>
-                  <a:rPr lang="en-US" b="0" dirty="0"/>
-                  <a:t> does the function</a:t>
-                </a:r>
-                <a14:m>
-                  <m:oMath xmlns:m="http://schemas.openxmlformats.org/officeDocument/2006/math">
-                    <m:r>
-                      <a:rPr lang="en-US" b="0" i="0" smtClean="0">
-                        <a:latin typeface="Cambria Math" panose="02040503050406030204" pitchFamily="18" charset="0"/>
-                      </a:rPr>
-                      <m:t> </m:t>
-                    </m:r>
-                    <m:r>
-                      <a:rPr lang="en-US" b="0" i="1" smtClean="0">
-                        <a:latin typeface="Cambria Math" panose="02040503050406030204" pitchFamily="18" charset="0"/>
-                      </a:rPr>
-                      <m:t>𝑓</m:t>
-                    </m:r>
-                    <m:d>
-                      <m:dPr>
-                        <m:ctrlPr>
-                          <a:rPr lang="en-US" b="0" i="1" smtClean="0">
-                            <a:latin typeface="Cambria Math" panose="02040503050406030204" pitchFamily="18" charset="0"/>
-                          </a:rPr>
-                        </m:ctrlPr>
-                      </m:dPr>
-                      <m:e>
-                        <m:r>
-                          <a:rPr lang="en-US" b="0" i="1" smtClean="0">
-                            <a:latin typeface="Cambria Math" panose="02040503050406030204" pitchFamily="18" charset="0"/>
-                          </a:rPr>
-                          <m:t>𝑧</m:t>
-                        </m:r>
-                      </m:e>
-                    </m:d>
-                    <m:r>
-                      <a:rPr lang="en-US" b="0" i="1" smtClean="0">
-                        <a:latin typeface="Cambria Math" panose="02040503050406030204" pitchFamily="18" charset="0"/>
-                      </a:rPr>
-                      <m:t>= </m:t>
-                    </m:r>
-                    <m:sSup>
-                      <m:sSupPr>
-                        <m:ctrlPr>
-                          <a:rPr lang="en-US" b="0" i="1" smtClean="0">
-                            <a:latin typeface="Cambria Math" panose="02040503050406030204" pitchFamily="18" charset="0"/>
-                          </a:rPr>
-                        </m:ctrlPr>
-                      </m:sSupPr>
-                      <m:e>
-                        <m:r>
-                          <a:rPr lang="en-US" b="0" i="1" smtClean="0">
-                            <a:latin typeface="Cambria Math" panose="02040503050406030204" pitchFamily="18" charset="0"/>
-                          </a:rPr>
-                          <m:t>𝑧</m:t>
-                        </m:r>
-                      </m:e>
-                      <m:sup>
-                        <m:r>
-                          <a:rPr lang="en-US" b="0" i="1" smtClean="0">
-                            <a:latin typeface="Cambria Math" panose="02040503050406030204" pitchFamily="18" charset="0"/>
-                          </a:rPr>
-                          <m:t>2</m:t>
-                        </m:r>
-                      </m:sup>
-                    </m:sSup>
-                    <m:r>
-                      <a:rPr lang="en-US" b="0" i="1" smtClean="0">
-                        <a:latin typeface="Cambria Math" panose="02040503050406030204" pitchFamily="18" charset="0"/>
-                      </a:rPr>
-                      <m:t>+</m:t>
-                    </m:r>
-                    <m:r>
-                      <a:rPr lang="en-US" b="0" i="1" smtClean="0">
-                        <a:latin typeface="Cambria Math" panose="02040503050406030204" pitchFamily="18" charset="0"/>
-                      </a:rPr>
-                      <m:t>𝑐</m:t>
-                    </m:r>
-                  </m:oMath>
-                </a14:m>
-                <a:r>
-                  <a:rPr lang="en-US" dirty="0"/>
-                  <a:t> diverge to infinity? </a:t>
-                </a:r>
-              </a:p>
-              <a:p>
-                <a:r>
-                  <a:rPr lang="en-US" dirty="0"/>
-                  <a:t>What if </a:t>
-                </a:r>
-                <a14:m>
-                  <m:oMath xmlns:m="http://schemas.openxmlformats.org/officeDocument/2006/math">
-                    <m:r>
-                      <a:rPr lang="en-US" b="0" i="1" smtClean="0">
-                        <a:latin typeface="Cambria Math" panose="02040503050406030204" pitchFamily="18" charset="0"/>
-                      </a:rPr>
-                      <m:t>𝑧</m:t>
-                    </m:r>
-                  </m:oMath>
-                </a14:m>
-                <a:r>
-                  <a:rPr lang="en-US" dirty="0"/>
-                  <a:t> is a complex number (3 – 9i)?</a:t>
-                </a:r>
-              </a:p>
-              <a:p>
-                <a:r>
-                  <a:rPr lang="en-US" dirty="0">
-                    <a:hlinkClick r:id="rId2"/>
-                  </a:rPr>
-                  <a:t>https://en.wikipedia.org/wiki/Mandelbrot_set</a:t>
-                </a:r>
-                <a:endParaRPr lang="en-US" dirty="0"/>
-              </a:p>
-              <a:p>
-                <a:r>
-                  <a:rPr lang="en-US" dirty="0"/>
-                  <a:t>Make a </a:t>
-                </a:r>
-                <a:r>
-                  <a:rPr lang="en-US" b="1" i="1" dirty="0"/>
-                  <a:t>VERY SIMPLE</a:t>
-                </a:r>
-                <a:r>
-                  <a:rPr lang="en-US" dirty="0"/>
-                  <a:t> visualization of many evaluations of the above function using python and the NumPy and PIL libraries</a:t>
-                </a:r>
-              </a:p>
-              <a:p>
-                <a:endParaRPr lang="en-US" dirty="0"/>
-              </a:p>
-              <a:p>
-                <a:endParaRPr lang="en-US" dirty="0"/>
-              </a:p>
-            </p:txBody>
-          </p:sp>
-        </mc:Choice>
-        <mc:Fallback xmlns="">
-          <p:sp>
-            <p:nvSpPr>
-              <p:cNvPr id="3" name="Content Placeholder 2">
-                <a:extLst>
-                  <a:ext uri="{FF2B5EF4-FFF2-40B4-BE49-F238E27FC236}">
-                    <a16:creationId xmlns:a16="http://schemas.microsoft.com/office/drawing/2014/main" id="{5FBFFB80-845E-4FF0-9271-A5997DA5EFED}"/>
-                  </a:ext>
-                </a:extLst>
-              </p:cNvPr>
-              <p:cNvSpPr>
-                <a:spLocks noGrp="1" noRot="1" noChangeAspect="1" noMove="1" noResize="1" noEditPoints="1" noAdjustHandles="1" noChangeArrowheads="1" noChangeShapeType="1" noTextEdit="1"/>
-              </p:cNvSpPr>
-              <p:nvPr>
-                <p:ph idx="1"/>
-              </p:nvPr>
-            </p:nvSpPr>
-            <p:spPr>
-              <a:blipFill>
-                <a:blip r:embed="rId3"/>
-                <a:stretch>
-                  <a:fillRect l="-1043" t="-2241"/>
-                </a:stretch>
-              </a:blipFill>
-            </p:spPr>
-            <p:txBody>
-              <a:bodyPr/>
-              <a:lstStyle/>
-              <a:p>
-                <a:r>
-                  <a:rPr lang="en-US">
-                    <a:noFill/>
-                  </a:rPr>
-                  <a:t> </a:t>
-                </a:r>
-              </a:p>
-            </p:txBody>
-          </p:sp>
-        </mc:Fallback>
-      </mc:AlternateContent>
-    </p:spTree>
-    <p:extLst>
-      <p:ext uri="{BB962C8B-B14F-4D97-AF65-F5344CB8AC3E}">
-        <p14:creationId xmlns:p14="http://schemas.microsoft.com/office/powerpoint/2010/main" val="3931377688"/>
-      </p:ext>
-    </p:extLst>
-  </p:cSld>
-  <p:clrMapOvr>
-    <a:masterClrMapping/>
-  </p:clrMapOvr>
-</p:sld>
-</file>
-
 <file path=ppt/slides/slide4.xml><?xml version="1.0" encoding="utf-8"?>
 <p:sld xmlns:a="http://schemas.openxmlformats.org/drawingml/2006/main" xmlns:r="http://schemas.openxmlformats.org/officeDocument/2006/relationships" xmlns:p="http://schemas.openxmlformats.org/presentationml/2006/main">
   <p:cSld>
@@ -9163,72 +8869,6 @@
     <p:extLst>
       <p:ext uri="{BB962C8B-B14F-4D97-AF65-F5344CB8AC3E}">
         <p14:creationId xmlns:p14="http://schemas.microsoft.com/office/powerpoint/2010/main" val="578106251"/>
-      </p:ext>
-    </p:extLst>
-  </p:cSld>
-  <p:clrMapOvr>
-    <a:masterClrMapping/>
-  </p:clrMapOvr>
-</p:sld>
-</file>
-
-<file path=ppt/slides/slide40.xml><?xml version="1.0" encoding="utf-8"?>
-<p:sld xmlns:a="http://schemas.openxmlformats.org/drawingml/2006/main" xmlns:r="http://schemas.openxmlformats.org/officeDocument/2006/relationships" xmlns:p="http://schemas.openxmlformats.org/presentationml/2006/main">
-  <p:cSld>
-    <p:spTree>
-      <p:nvGrpSpPr>
-        <p:cNvPr id="1" name=""/>
-        <p:cNvGrpSpPr/>
-        <p:nvPr/>
-      </p:nvGrpSpPr>
-      <p:grpSpPr>
-        <a:xfrm>
-          <a:off x="0" y="0"/>
-          <a:ext cx="0" cy="0"/>
-          <a:chOff x="0" y="0"/>
-          <a:chExt cx="0" cy="0"/>
-        </a:xfrm>
-      </p:grpSpPr>
-      <p:pic>
-        <p:nvPicPr>
-          <p:cNvPr id="5" name="Picture 4" descr="A picture containing silhouette&#10;&#10;Description automatically generated">
-            <a:extLst>
-              <a:ext uri="{FF2B5EF4-FFF2-40B4-BE49-F238E27FC236}">
-                <a16:creationId xmlns:a16="http://schemas.microsoft.com/office/drawing/2014/main" id="{B4F8BBA2-A223-4F69-B0D0-D8A327452EA3}"/>
-              </a:ext>
-            </a:extLst>
-          </p:cNvPr>
-          <p:cNvPicPr>
-            <a:picLocks noChangeAspect="1"/>
-          </p:cNvPicPr>
-          <p:nvPr/>
-        </p:nvPicPr>
-        <p:blipFill>
-          <a:blip r:embed="rId2">
-            <a:extLst>
-              <a:ext uri="{28A0092B-C50C-407E-A947-70E740481C1C}">
-                <a14:useLocalDpi xmlns:a14="http://schemas.microsoft.com/office/drawing/2010/main" val="0"/>
-              </a:ext>
-            </a:extLst>
-          </a:blip>
-          <a:stretch>
-            <a:fillRect/>
-          </a:stretch>
-        </p:blipFill>
-        <p:spPr>
-          <a:xfrm>
-            <a:off x="2667000" y="0"/>
-            <a:ext cx="6858000" cy="6858000"/>
-          </a:xfrm>
-          <a:prstGeom prst="rect">
-            <a:avLst/>
-          </a:prstGeom>
-        </p:spPr>
-      </p:pic>
-    </p:spTree>
-    <p:extLst>
-      <p:ext uri="{BB962C8B-B14F-4D97-AF65-F5344CB8AC3E}">
-        <p14:creationId xmlns:p14="http://schemas.microsoft.com/office/powerpoint/2010/main" val="3119873452"/>
       </p:ext>
     </p:extLst>
   </p:cSld>

--- a/Finding Anagrams v2.0.pptx
+++ b/Finding Anagrams v2.0.pptx
@@ -234,7 +234,7 @@
           <a:p>
             <a:fld id="{7D2B9B78-C072-4694-8A2D-FFBA9FE94E5B}" type="datetimeFigureOut">
               <a:rPr lang="en-US" smtClean="0"/>
-              <a:t>2/9/2022</a:t>
+              <a:t>2/25/2022</a:t>
             </a:fld>
             <a:endParaRPr lang="en-US" dirty="0"/>
           </a:p>
@@ -1836,7 +1836,7 @@
           <a:p>
             <a:fld id="{271D0E5B-1AAA-41B9-A681-2CC64CA97BA3}" type="datetimeFigureOut">
               <a:rPr lang="en-US" smtClean="0"/>
-              <a:t>2/9/2022</a:t>
+              <a:t>2/25/2022</a:t>
             </a:fld>
             <a:endParaRPr lang="en-US" dirty="0"/>
           </a:p>
@@ -2034,7 +2034,7 @@
           <a:p>
             <a:fld id="{271D0E5B-1AAA-41B9-A681-2CC64CA97BA3}" type="datetimeFigureOut">
               <a:rPr lang="en-US" smtClean="0"/>
-              <a:t>2/9/2022</a:t>
+              <a:t>2/25/2022</a:t>
             </a:fld>
             <a:endParaRPr lang="en-US" dirty="0"/>
           </a:p>
@@ -2242,7 +2242,7 @@
           <a:p>
             <a:fld id="{271D0E5B-1AAA-41B9-A681-2CC64CA97BA3}" type="datetimeFigureOut">
               <a:rPr lang="en-US" smtClean="0"/>
-              <a:t>2/9/2022</a:t>
+              <a:t>2/25/2022</a:t>
             </a:fld>
             <a:endParaRPr lang="en-US" dirty="0"/>
           </a:p>
@@ -2440,7 +2440,7 @@
           <a:p>
             <a:fld id="{271D0E5B-1AAA-41B9-A681-2CC64CA97BA3}" type="datetimeFigureOut">
               <a:rPr lang="en-US" smtClean="0"/>
-              <a:t>2/9/2022</a:t>
+              <a:t>2/25/2022</a:t>
             </a:fld>
             <a:endParaRPr lang="en-US" dirty="0"/>
           </a:p>
@@ -2715,7 +2715,7 @@
           <a:p>
             <a:fld id="{271D0E5B-1AAA-41B9-A681-2CC64CA97BA3}" type="datetimeFigureOut">
               <a:rPr lang="en-US" smtClean="0"/>
-              <a:t>2/9/2022</a:t>
+              <a:t>2/25/2022</a:t>
             </a:fld>
             <a:endParaRPr lang="en-US" dirty="0"/>
           </a:p>
@@ -2980,7 +2980,7 @@
           <a:p>
             <a:fld id="{271D0E5B-1AAA-41B9-A681-2CC64CA97BA3}" type="datetimeFigureOut">
               <a:rPr lang="en-US" smtClean="0"/>
-              <a:t>2/9/2022</a:t>
+              <a:t>2/25/2022</a:t>
             </a:fld>
             <a:endParaRPr lang="en-US" dirty="0"/>
           </a:p>
@@ -3392,7 +3392,7 @@
           <a:p>
             <a:fld id="{271D0E5B-1AAA-41B9-A681-2CC64CA97BA3}" type="datetimeFigureOut">
               <a:rPr lang="en-US" smtClean="0"/>
-              <a:t>2/9/2022</a:t>
+              <a:t>2/25/2022</a:t>
             </a:fld>
             <a:endParaRPr lang="en-US" dirty="0"/>
           </a:p>
@@ -3533,7 +3533,7 @@
           <a:p>
             <a:fld id="{271D0E5B-1AAA-41B9-A681-2CC64CA97BA3}" type="datetimeFigureOut">
               <a:rPr lang="en-US" smtClean="0"/>
-              <a:t>2/9/2022</a:t>
+              <a:t>2/25/2022</a:t>
             </a:fld>
             <a:endParaRPr lang="en-US" dirty="0"/>
           </a:p>
@@ -3646,7 +3646,7 @@
           <a:p>
             <a:fld id="{271D0E5B-1AAA-41B9-A681-2CC64CA97BA3}" type="datetimeFigureOut">
               <a:rPr lang="en-US" smtClean="0"/>
-              <a:t>2/9/2022</a:t>
+              <a:t>2/25/2022</a:t>
             </a:fld>
             <a:endParaRPr lang="en-US" dirty="0"/>
           </a:p>
@@ -3957,7 +3957,7 @@
           <a:p>
             <a:fld id="{271D0E5B-1AAA-41B9-A681-2CC64CA97BA3}" type="datetimeFigureOut">
               <a:rPr lang="en-US" smtClean="0"/>
-              <a:t>2/9/2022</a:t>
+              <a:t>2/25/2022</a:t>
             </a:fld>
             <a:endParaRPr lang="en-US" dirty="0"/>
           </a:p>
@@ -4245,7 +4245,7 @@
           <a:p>
             <a:fld id="{271D0E5B-1AAA-41B9-A681-2CC64CA97BA3}" type="datetimeFigureOut">
               <a:rPr lang="en-US" smtClean="0"/>
-              <a:t>2/9/2022</a:t>
+              <a:t>2/25/2022</a:t>
             </a:fld>
             <a:endParaRPr lang="en-US" dirty="0"/>
           </a:p>
@@ -4486,7 +4486,7 @@
           <a:p>
             <a:fld id="{271D0E5B-1AAA-41B9-A681-2CC64CA97BA3}" type="datetimeFigureOut">
               <a:rPr lang="en-US" smtClean="0"/>
-              <a:t>2/9/2022</a:t>
+              <a:t>2/25/2022</a:t>
             </a:fld>
             <a:endParaRPr lang="en-US" dirty="0"/>
           </a:p>
@@ -7521,19 +7521,6 @@
               <a:rPr lang="en-US" dirty="0"/>
               <a:t>part_06_visualize_processing_time.R</a:t>
             </a:r>
-          </a:p>
-          <a:p>
-            <a:r>
-              <a:rPr lang="en-US" dirty="0" err="1"/>
-              <a:t>simple_fractal.ipynb</a:t>
-            </a:r>
-            <a:endParaRPr lang="en-US" dirty="0"/>
-          </a:p>
-          <a:p>
-            <a:endParaRPr lang="en-US" dirty="0"/>
-          </a:p>
-          <a:p>
-            <a:endParaRPr lang="en-US" dirty="0"/>
           </a:p>
         </p:txBody>
       </p:sp>

--- a/Finding Anagrams v2.0.pptx
+++ b/Finding Anagrams v2.0.pptx
@@ -234,7 +234,7 @@
           <a:p>
             <a:fld id="{7D2B9B78-C072-4694-8A2D-FFBA9FE94E5B}" type="datetimeFigureOut">
               <a:rPr lang="en-US" smtClean="0"/>
-              <a:t>2/25/2022</a:t>
+              <a:t>7/31/2023</a:t>
             </a:fld>
             <a:endParaRPr lang="en-US" dirty="0"/>
           </a:p>
@@ -1836,7 +1836,7 @@
           <a:p>
             <a:fld id="{271D0E5B-1AAA-41B9-A681-2CC64CA97BA3}" type="datetimeFigureOut">
               <a:rPr lang="en-US" smtClean="0"/>
-              <a:t>2/25/2022</a:t>
+              <a:t>7/31/2023</a:t>
             </a:fld>
             <a:endParaRPr lang="en-US" dirty="0"/>
           </a:p>
@@ -2034,7 +2034,7 @@
           <a:p>
             <a:fld id="{271D0E5B-1AAA-41B9-A681-2CC64CA97BA3}" type="datetimeFigureOut">
               <a:rPr lang="en-US" smtClean="0"/>
-              <a:t>2/25/2022</a:t>
+              <a:t>7/31/2023</a:t>
             </a:fld>
             <a:endParaRPr lang="en-US" dirty="0"/>
           </a:p>
@@ -2242,7 +2242,7 @@
           <a:p>
             <a:fld id="{271D0E5B-1AAA-41B9-A681-2CC64CA97BA3}" type="datetimeFigureOut">
               <a:rPr lang="en-US" smtClean="0"/>
-              <a:t>2/25/2022</a:t>
+              <a:t>7/31/2023</a:t>
             </a:fld>
             <a:endParaRPr lang="en-US" dirty="0"/>
           </a:p>
@@ -2440,7 +2440,7 @@
           <a:p>
             <a:fld id="{271D0E5B-1AAA-41B9-A681-2CC64CA97BA3}" type="datetimeFigureOut">
               <a:rPr lang="en-US" smtClean="0"/>
-              <a:t>2/25/2022</a:t>
+              <a:t>7/31/2023</a:t>
             </a:fld>
             <a:endParaRPr lang="en-US" dirty="0"/>
           </a:p>
@@ -2715,7 +2715,7 @@
           <a:p>
             <a:fld id="{271D0E5B-1AAA-41B9-A681-2CC64CA97BA3}" type="datetimeFigureOut">
               <a:rPr lang="en-US" smtClean="0"/>
-              <a:t>2/25/2022</a:t>
+              <a:t>7/31/2023</a:t>
             </a:fld>
             <a:endParaRPr lang="en-US" dirty="0"/>
           </a:p>
@@ -2980,7 +2980,7 @@
           <a:p>
             <a:fld id="{271D0E5B-1AAA-41B9-A681-2CC64CA97BA3}" type="datetimeFigureOut">
               <a:rPr lang="en-US" smtClean="0"/>
-              <a:t>2/25/2022</a:t>
+              <a:t>7/31/2023</a:t>
             </a:fld>
             <a:endParaRPr lang="en-US" dirty="0"/>
           </a:p>
@@ -3392,7 +3392,7 @@
           <a:p>
             <a:fld id="{271D0E5B-1AAA-41B9-A681-2CC64CA97BA3}" type="datetimeFigureOut">
               <a:rPr lang="en-US" smtClean="0"/>
-              <a:t>2/25/2022</a:t>
+              <a:t>7/31/2023</a:t>
             </a:fld>
             <a:endParaRPr lang="en-US" dirty="0"/>
           </a:p>
@@ -3533,7 +3533,7 @@
           <a:p>
             <a:fld id="{271D0E5B-1AAA-41B9-A681-2CC64CA97BA3}" type="datetimeFigureOut">
               <a:rPr lang="en-US" smtClean="0"/>
-              <a:t>2/25/2022</a:t>
+              <a:t>7/31/2023</a:t>
             </a:fld>
             <a:endParaRPr lang="en-US" dirty="0"/>
           </a:p>
@@ -3646,7 +3646,7 @@
           <a:p>
             <a:fld id="{271D0E5B-1AAA-41B9-A681-2CC64CA97BA3}" type="datetimeFigureOut">
               <a:rPr lang="en-US" smtClean="0"/>
-              <a:t>2/25/2022</a:t>
+              <a:t>7/31/2023</a:t>
             </a:fld>
             <a:endParaRPr lang="en-US" dirty="0"/>
           </a:p>
@@ -3957,7 +3957,7 @@
           <a:p>
             <a:fld id="{271D0E5B-1AAA-41B9-A681-2CC64CA97BA3}" type="datetimeFigureOut">
               <a:rPr lang="en-US" smtClean="0"/>
-              <a:t>2/25/2022</a:t>
+              <a:t>7/31/2023</a:t>
             </a:fld>
             <a:endParaRPr lang="en-US" dirty="0"/>
           </a:p>
@@ -4245,7 +4245,7 @@
           <a:p>
             <a:fld id="{271D0E5B-1AAA-41B9-A681-2CC64CA97BA3}" type="datetimeFigureOut">
               <a:rPr lang="en-US" smtClean="0"/>
-              <a:t>2/25/2022</a:t>
+              <a:t>7/31/2023</a:t>
             </a:fld>
             <a:endParaRPr lang="en-US" dirty="0"/>
           </a:p>
@@ -4486,7 +4486,7 @@
           <a:p>
             <a:fld id="{271D0E5B-1AAA-41B9-A681-2CC64CA97BA3}" type="datetimeFigureOut">
               <a:rPr lang="en-US" smtClean="0"/>
-              <a:t>2/25/2022</a:t>
+              <a:t>7/31/2023</a:t>
             </a:fld>
             <a:endParaRPr lang="en-US" dirty="0"/>
           </a:p>
